--- a/assets/tactile_image_files/0080-Kentucky_geologic_cross-section_A-B/0080-Kentucky_geologic_cross-section_A-B.pptx
+++ b/assets/tactile_image_files/0080-Kentucky_geologic_cross-section_A-B/0080-Kentucky_geologic_cross-section_A-B.pptx
@@ -255,7 +255,7 @@
           <a:p>
             <a:fld id="{E796F801-3BB8-A247-923B-F07F1B58D38A}" type="datetimeFigureOut">
               <a:rPr lang="en-US" smtClean="0"/>
-              <a:t>1/9/21</a:t>
+              <a:t>7/13/21</a:t>
             </a:fld>
             <a:endParaRPr lang="en-US"/>
           </a:p>
@@ -435,7 +435,7 @@
           <a:p>
             <a:fld id="{E796F801-3BB8-A247-923B-F07F1B58D38A}" type="datetimeFigureOut">
               <a:rPr lang="en-US" smtClean="0"/>
-              <a:t>1/9/21</a:t>
+              <a:t>7/13/21</a:t>
             </a:fld>
             <a:endParaRPr lang="en-US"/>
           </a:p>
@@ -605,7 +605,7 @@
           <a:p>
             <a:fld id="{E796F801-3BB8-A247-923B-F07F1B58D38A}" type="datetimeFigureOut">
               <a:rPr lang="en-US" smtClean="0"/>
-              <a:t>1/9/21</a:t>
+              <a:t>7/13/21</a:t>
             </a:fld>
             <a:endParaRPr lang="en-US"/>
           </a:p>
@@ -849,7 +849,7 @@
           <a:p>
             <a:fld id="{E796F801-3BB8-A247-923B-F07F1B58D38A}" type="datetimeFigureOut">
               <a:rPr lang="en-US" smtClean="0"/>
-              <a:t>1/9/21</a:t>
+              <a:t>7/13/21</a:t>
             </a:fld>
             <a:endParaRPr lang="en-US"/>
           </a:p>
@@ -1081,7 +1081,7 @@
           <a:p>
             <a:fld id="{E796F801-3BB8-A247-923B-F07F1B58D38A}" type="datetimeFigureOut">
               <a:rPr lang="en-US" smtClean="0"/>
-              <a:t>1/9/21</a:t>
+              <a:t>7/13/21</a:t>
             </a:fld>
             <a:endParaRPr lang="en-US"/>
           </a:p>
@@ -1448,7 +1448,7 @@
           <a:p>
             <a:fld id="{E796F801-3BB8-A247-923B-F07F1B58D38A}" type="datetimeFigureOut">
               <a:rPr lang="en-US" smtClean="0"/>
-              <a:t>1/9/21</a:t>
+              <a:t>7/13/21</a:t>
             </a:fld>
             <a:endParaRPr lang="en-US"/>
           </a:p>
@@ -1566,7 +1566,7 @@
           <a:p>
             <a:fld id="{E796F801-3BB8-A247-923B-F07F1B58D38A}" type="datetimeFigureOut">
               <a:rPr lang="en-US" smtClean="0"/>
-              <a:t>1/9/21</a:t>
+              <a:t>7/13/21</a:t>
             </a:fld>
             <a:endParaRPr lang="en-US"/>
           </a:p>
@@ -1661,7 +1661,7 @@
           <a:p>
             <a:fld id="{E796F801-3BB8-A247-923B-F07F1B58D38A}" type="datetimeFigureOut">
               <a:rPr lang="en-US" smtClean="0"/>
-              <a:t>1/9/21</a:t>
+              <a:t>7/13/21</a:t>
             </a:fld>
             <a:endParaRPr lang="en-US"/>
           </a:p>
@@ -1938,7 +1938,7 @@
           <a:p>
             <a:fld id="{E796F801-3BB8-A247-923B-F07F1B58D38A}" type="datetimeFigureOut">
               <a:rPr lang="en-US" smtClean="0"/>
-              <a:t>1/9/21</a:t>
+              <a:t>7/13/21</a:t>
             </a:fld>
             <a:endParaRPr lang="en-US"/>
           </a:p>
@@ -2195,7 +2195,7 @@
           <a:p>
             <a:fld id="{E796F801-3BB8-A247-923B-F07F1B58D38A}" type="datetimeFigureOut">
               <a:rPr lang="en-US" smtClean="0"/>
-              <a:t>1/9/21</a:t>
+              <a:t>7/13/21</a:t>
             </a:fld>
             <a:endParaRPr lang="en-US"/>
           </a:p>
@@ -2408,7 +2408,7 @@
           <a:p>
             <a:fld id="{E796F801-3BB8-A247-923B-F07F1B58D38A}" type="datetimeFigureOut">
               <a:rPr lang="en-US" smtClean="0"/>
-              <a:t>1/9/21</a:t>
+              <a:t>7/13/21</a:t>
             </a:fld>
             <a:endParaRPr lang="en-US"/>
           </a:p>
@@ -8278,7 +8278,7 @@
         </p:nvSpPr>
         <p:spPr>
           <a:xfrm>
-            <a:off x="5412284" y="481444"/>
+            <a:off x="571836" y="379695"/>
             <a:ext cx="954107" cy="369332"/>
           </a:xfrm>
           <a:prstGeom prst="rect">
@@ -8293,7 +8293,7 @@
           <a:lstStyle/>
           <a:p>
             <a:r>
-              <a:rPr lang="en-US">
+              <a:rPr lang="en-US" dirty="0">
                 <a:latin typeface="Arial" panose="020B0604020202020204" pitchFamily="34" charset="0"/>
                 <a:cs typeface="Arial" panose="020B0604020202020204" pitchFamily="34" charset="0"/>
               </a:rPr>
@@ -8316,8 +8316,8 @@
         </p:nvSpPr>
         <p:spPr>
           <a:xfrm>
-            <a:off x="701186" y="468951"/>
-            <a:ext cx="914400" cy="605790"/>
+            <a:off x="686566" y="1014921"/>
+            <a:ext cx="914400" cy="457200"/>
           </a:xfrm>
           <a:prstGeom prst="rect">
             <a:avLst/>
@@ -8375,8 +8375,8 @@
         </p:nvSpPr>
         <p:spPr>
           <a:xfrm>
-            <a:off x="701186" y="1239206"/>
-            <a:ext cx="914400" cy="605790"/>
+            <a:off x="701186" y="1715528"/>
+            <a:ext cx="914400" cy="457200"/>
           </a:xfrm>
           <a:prstGeom prst="rect">
             <a:avLst/>
@@ -8434,8 +8434,8 @@
         </p:nvSpPr>
         <p:spPr>
           <a:xfrm>
-            <a:off x="701186" y="2009461"/>
-            <a:ext cx="914400" cy="605790"/>
+            <a:off x="686566" y="2415562"/>
+            <a:ext cx="914400" cy="457200"/>
           </a:xfrm>
           <a:prstGeom prst="rect">
             <a:avLst/>
@@ -8493,8 +8493,8 @@
         </p:nvSpPr>
         <p:spPr>
           <a:xfrm>
-            <a:off x="701186" y="2779716"/>
-            <a:ext cx="914400" cy="605790"/>
+            <a:off x="701186" y="3133925"/>
+            <a:ext cx="914400" cy="457200"/>
           </a:xfrm>
           <a:prstGeom prst="rect">
             <a:avLst/>
@@ -8547,8 +8547,8 @@
         </p:nvSpPr>
         <p:spPr>
           <a:xfrm>
-            <a:off x="701186" y="3549971"/>
-            <a:ext cx="914400" cy="605790"/>
+            <a:off x="701186" y="3847060"/>
+            <a:ext cx="914400" cy="457200"/>
           </a:xfrm>
           <a:prstGeom prst="rect">
             <a:avLst/>
@@ -8601,8 +8601,8 @@
         </p:nvSpPr>
         <p:spPr>
           <a:xfrm>
-            <a:off x="701186" y="4320226"/>
-            <a:ext cx="914400" cy="605790"/>
+            <a:off x="701186" y="4523592"/>
+            <a:ext cx="914400" cy="457200"/>
           </a:xfrm>
           <a:prstGeom prst="rect">
             <a:avLst/>
@@ -8660,7 +8660,7 @@
         </p:nvSpPr>
         <p:spPr>
           <a:xfrm>
-            <a:off x="1759442" y="631386"/>
+            <a:off x="1743292" y="1089632"/>
             <a:ext cx="1835118" cy="307777"/>
           </a:xfrm>
           <a:prstGeom prst="rect">
@@ -8675,7 +8675,7 @@
           <a:lstStyle/>
           <a:p>
             <a:r>
-              <a:rPr lang="en-US" sz="1400">
+              <a:rPr lang="en-US" sz="1400" dirty="0">
                 <a:latin typeface="Arial" panose="020B0604020202020204" pitchFamily="34" charset="0"/>
                 <a:cs typeface="Arial" panose="020B0604020202020204" pitchFamily="34" charset="0"/>
               </a:rPr>
@@ -8698,7 +8698,7 @@
         </p:nvSpPr>
         <p:spPr>
           <a:xfrm>
-            <a:off x="1759442" y="1407751"/>
+            <a:off x="1743292" y="1790863"/>
             <a:ext cx="1350050" cy="307777"/>
           </a:xfrm>
           <a:prstGeom prst="rect">
@@ -8713,7 +8713,7 @@
           <a:lstStyle/>
           <a:p>
             <a:r>
-              <a:rPr lang="en-US" sz="1400">
+              <a:rPr lang="en-US" sz="1400" dirty="0">
                 <a:latin typeface="Arial" panose="020B0604020202020204" pitchFamily="34" charset="0"/>
                 <a:cs typeface="Arial" panose="020B0604020202020204" pitchFamily="34" charset="0"/>
               </a:rPr>
@@ -8736,7 +8736,7 @@
         </p:nvSpPr>
         <p:spPr>
           <a:xfrm>
-            <a:off x="1771016" y="2184116"/>
+            <a:off x="1743292" y="2473889"/>
             <a:ext cx="1416332" cy="307777"/>
           </a:xfrm>
           <a:prstGeom prst="rect">
@@ -8751,7 +8751,7 @@
           <a:lstStyle/>
           <a:p>
             <a:r>
-              <a:rPr lang="en-US" sz="1400">
+              <a:rPr lang="en-US" sz="1400" dirty="0">
                 <a:latin typeface="Arial" panose="020B0604020202020204" pitchFamily="34" charset="0"/>
                 <a:cs typeface="Arial" panose="020B0604020202020204" pitchFamily="34" charset="0"/>
               </a:rPr>
@@ -8774,7 +8774,7 @@
         </p:nvSpPr>
         <p:spPr>
           <a:xfrm>
-            <a:off x="1759442" y="2960481"/>
+            <a:off x="1743292" y="3224388"/>
             <a:ext cx="941283" cy="307777"/>
           </a:xfrm>
           <a:prstGeom prst="rect">
@@ -8789,7 +8789,7 @@
           <a:lstStyle/>
           <a:p>
             <a:r>
-              <a:rPr lang="en-US" sz="1400">
+              <a:rPr lang="en-US" sz="1400" dirty="0">
                 <a:latin typeface="Arial" panose="020B0604020202020204" pitchFamily="34" charset="0"/>
                 <a:cs typeface="Arial" panose="020B0604020202020204" pitchFamily="34" charset="0"/>
               </a:rPr>
@@ -8812,7 +8812,7 @@
         </p:nvSpPr>
         <p:spPr>
           <a:xfrm>
-            <a:off x="1759442" y="3736846"/>
+            <a:off x="1743292" y="3921770"/>
             <a:ext cx="782587" cy="307777"/>
           </a:xfrm>
           <a:prstGeom prst="rect">
@@ -8827,7 +8827,7 @@
           <a:lstStyle/>
           <a:p>
             <a:r>
-              <a:rPr lang="en-US" sz="1400">
+              <a:rPr lang="en-US" sz="1400" dirty="0">
                 <a:latin typeface="Arial" panose="020B0604020202020204" pitchFamily="34" charset="0"/>
                 <a:cs typeface="Arial" panose="020B0604020202020204" pitchFamily="34" charset="0"/>
               </a:rPr>
@@ -8850,7 +8850,7 @@
         </p:nvSpPr>
         <p:spPr>
           <a:xfrm>
-            <a:off x="1759442" y="4513210"/>
+            <a:off x="1743292" y="4598303"/>
             <a:ext cx="1040670" cy="307777"/>
           </a:xfrm>
           <a:prstGeom prst="rect">
@@ -8865,7 +8865,7 @@
           <a:lstStyle/>
           <a:p>
             <a:r>
-              <a:rPr lang="en-US" sz="1400">
+              <a:rPr lang="en-US" sz="1400" dirty="0">
                 <a:latin typeface="Arial" panose="020B0604020202020204" pitchFamily="34" charset="0"/>
                 <a:cs typeface="Arial" panose="020B0604020202020204" pitchFamily="34" charset="0"/>
               </a:rPr>
@@ -8926,7 +8926,7 @@
         </p:nvSpPr>
         <p:spPr>
           <a:xfrm>
-            <a:off x="1783368" y="6051200"/>
+            <a:off x="1759442" y="5946352"/>
             <a:ext cx="1199367" cy="307777"/>
           </a:xfrm>
           <a:prstGeom prst="rect">
@@ -8941,7 +8941,7 @@
           <a:lstStyle/>
           <a:p>
             <a:r>
-              <a:rPr lang="en-US" sz="1400">
+              <a:rPr lang="en-US" sz="1400" dirty="0">
                 <a:latin typeface="Arial" panose="020B0604020202020204" pitchFamily="34" charset="0"/>
                 <a:cs typeface="Arial" panose="020B0604020202020204" pitchFamily="34" charset="0"/>
               </a:rPr>
@@ -8965,7 +8965,7 @@
         <p:spPr>
           <a:xfrm>
             <a:off x="686566" y="5871641"/>
-            <a:ext cx="914400" cy="605790"/>
+            <a:ext cx="914400" cy="457200"/>
           </a:xfrm>
           <a:prstGeom prst="rect">
             <a:avLst/>
@@ -9023,8 +9023,8 @@
         </p:nvSpPr>
         <p:spPr>
           <a:xfrm>
-            <a:off x="696506" y="5101331"/>
-            <a:ext cx="914400" cy="605790"/>
+            <a:off x="686566" y="5200124"/>
+            <a:ext cx="914400" cy="457200"/>
           </a:xfrm>
           <a:prstGeom prst="rect">
             <a:avLst/>
@@ -9098,6 +9098,35 @@
           <a:chExt cx="0" cy="0"/>
         </a:xfrm>
       </p:grpSpPr>
+      <p:pic>
+        <p:nvPicPr>
+          <p:cNvPr id="86" name="Picture 85" descr="A close up of a logo&#10;&#10;Description automatically generated">
+            <a:extLst>
+              <a:ext uri="{FF2B5EF4-FFF2-40B4-BE49-F238E27FC236}">
+                <a16:creationId xmlns:a16="http://schemas.microsoft.com/office/drawing/2014/main" id="{2511201E-153B-1E49-AEAD-233C0AE1D9AB}"/>
+              </a:ext>
+            </a:extLst>
+          </p:cNvPr>
+          <p:cNvPicPr>
+            <a:picLocks noChangeAspect="1"/>
+          </p:cNvPicPr>
+          <p:nvPr/>
+        </p:nvPicPr>
+        <p:blipFill rotWithShape="1">
+          <a:blip r:embed="rId2"/>
+          <a:srcRect l="45135" t="65926" r="12938" b="18148"/>
+          <a:stretch/>
+        </p:blipFill>
+        <p:spPr>
+          <a:xfrm>
+            <a:off x="-685801" y="3630004"/>
+            <a:ext cx="10124855" cy="2971800"/>
+          </a:xfrm>
+          <a:prstGeom prst="rect">
+            <a:avLst/>
+          </a:prstGeom>
+        </p:spPr>
+      </p:pic>
       <p:cxnSp>
         <p:nvCxnSpPr>
           <p:cNvPr id="8" name="Straight Connector 7">
@@ -9192,10 +9221,10 @@
         </p:nvGrpSpPr>
         <p:grpSpPr>
           <a:xfrm>
-            <a:off x="6090980" y="613572"/>
-            <a:ext cx="3053020" cy="1135782"/>
+            <a:off x="6090979" y="613572"/>
+            <a:ext cx="3334777" cy="1135782"/>
             <a:chOff x="2102880" y="125335"/>
-            <a:chExt cx="4336829" cy="1613384"/>
+            <a:chExt cx="4737068" cy="1613384"/>
           </a:xfrm>
         </p:grpSpPr>
         <p:pic>
@@ -9213,15 +9242,15 @@
             <p:nvPr/>
           </p:nvPicPr>
           <p:blipFill>
-            <a:blip r:embed="rId2"/>
+            <a:blip r:embed="rId3"/>
             <a:stretch>
               <a:fillRect/>
             </a:stretch>
           </p:blipFill>
           <p:spPr>
             <a:xfrm>
-              <a:off x="2180494" y="125335"/>
-              <a:ext cx="3646738" cy="1613384"/>
+              <a:off x="2180495" y="125335"/>
+              <a:ext cx="3646739" cy="1613384"/>
             </a:xfrm>
             <a:prstGeom prst="rect">
               <a:avLst/>
@@ -9244,8 +9273,8 @@
           </p:nvCxnSpPr>
           <p:spPr>
             <a:xfrm flipV="1">
-              <a:off x="2563037" y="845584"/>
-              <a:ext cx="2052084" cy="584790"/>
+              <a:off x="2563038" y="845584"/>
+              <a:ext cx="2052084" cy="584791"/>
             </a:xfrm>
             <a:prstGeom prst="line">
               <a:avLst/>
@@ -9363,8 +9392,8 @@
           </p:nvSpPr>
           <p:spPr>
             <a:xfrm>
-              <a:off x="5551847" y="429116"/>
-              <a:ext cx="887862" cy="655797"/>
+              <a:off x="5392003" y="416092"/>
+              <a:ext cx="1447945" cy="655797"/>
             </a:xfrm>
             <a:prstGeom prst="rect">
               <a:avLst/>
@@ -9378,11 +9407,11 @@
             <a:lstStyle/>
             <a:p>
               <a:r>
-                <a:rPr lang="en-US" sz="2400">
+                <a:rPr lang="en-US" sz="2400" dirty="0">
                   <a:latin typeface="Swell Braille" pitchFamily="49"/>
                   <a:cs typeface="Arial" panose="020B0604020202020204" pitchFamily="34" charset="0"/>
                 </a:rPr>
-                <a:t>⠠⠃</a:t>
+                <a:t>;⠠⠃</a:t>
               </a:r>
             </a:p>
           </p:txBody>
@@ -9440,8 +9469,8 @@
         </p:nvSpPr>
         <p:spPr>
           <a:xfrm>
-            <a:off x="170121" y="114587"/>
-            <a:ext cx="8206093" cy="461665"/>
+            <a:off x="3267" y="89838"/>
+            <a:ext cx="8651727" cy="461665"/>
           </a:xfrm>
           <a:prstGeom prst="rect">
             <a:avLst/>
@@ -9455,11 +9484,11 @@
           <a:lstStyle/>
           <a:p>
             <a:r>
-              <a:rPr lang="en-US" sz="2400">
+              <a:rPr lang="en-US" sz="2400" dirty="0">
                 <a:latin typeface="Swell Braille" pitchFamily="49"/>
                 <a:cs typeface="Arial" panose="020B0604020202020204" pitchFamily="34" charset="0"/>
               </a:rPr>
-              <a:t>⠠⠅⠢⠞⠥⠉⠅⠽⠀⠠⠛⠑⠕⠇⠕⠛⠊⠉⠀⠠⠉⠗⠕⠎⠎⠤⠎⠑⠉⠰⠝⠀⠠⠁⠤⠃</a:t>
+              <a:t>⠠⠅⠢⠞⠥⠉⠅⠽⠀⠠⠛⠑⠕⠇⠕⠛⠊⠉⠀⠠⠉⠗⠕⠎⠎⠤⠎⠑⠉⠰⠝⠀⠠⠁⠤;,⠃</a:t>
             </a:r>
           </a:p>
         </p:txBody>
@@ -9531,7 +9560,7 @@
           <a:lstStyle/>
           <a:p>
             <a:r>
-              <a:rPr lang="en-US" sz="2400">
+              <a:rPr lang="en-US" sz="2400" dirty="0">
                 <a:latin typeface="Swell Braille" pitchFamily="49"/>
                 <a:cs typeface="Arial" panose="020B0604020202020204" pitchFamily="34" charset="0"/>
               </a:rPr>
@@ -9554,7 +9583,7 @@
         </p:nvSpPr>
         <p:spPr>
           <a:xfrm>
-            <a:off x="5932152" y="4355351"/>
+            <a:off x="5637275" y="4355351"/>
             <a:ext cx="2941831" cy="830997"/>
           </a:xfrm>
           <a:prstGeom prst="rect">
@@ -9569,7 +9598,7 @@
           <a:lstStyle/>
           <a:p>
             <a:r>
-              <a:rPr lang="en-US" sz="2400">
+              <a:rPr lang="en-US" sz="2400" dirty="0">
                 <a:latin typeface="Swell Braille" pitchFamily="49"/>
                 <a:cs typeface="Arial" panose="020B0604020202020204" pitchFamily="34" charset="0"/>
               </a:rPr>
@@ -9578,7 +9607,7 @@
           </a:p>
           <a:p>
             <a:r>
-              <a:rPr lang="en-US" sz="2400">
+              <a:rPr lang="en-US" sz="2400" dirty="0">
                 <a:latin typeface="Swell Braille" pitchFamily="49"/>
                 <a:cs typeface="Arial" panose="020B0604020202020204" pitchFamily="34" charset="0"/>
               </a:rPr>
@@ -9648,7 +9677,7 @@
         </p:nvSpPr>
         <p:spPr>
           <a:xfrm>
-            <a:off x="5751803" y="1294619"/>
+            <a:off x="5775828" y="1344954"/>
             <a:ext cx="630301" cy="461665"/>
           </a:xfrm>
           <a:prstGeom prst="rect">
@@ -9663,7 +9692,7 @@
           <a:lstStyle/>
           <a:p>
             <a:r>
-              <a:rPr lang="en-US" sz="2400">
+              <a:rPr lang="en-US" sz="2400" dirty="0">
                 <a:latin typeface="Swell Braille" pitchFamily="49"/>
                 <a:cs typeface="Arial" panose="020B0604020202020204" pitchFamily="34" charset="0"/>
               </a:rPr>
@@ -9686,8 +9715,8 @@
         </p:nvSpPr>
         <p:spPr>
           <a:xfrm>
-            <a:off x="8518967" y="4149943"/>
-            <a:ext cx="625033" cy="461665"/>
+            <a:off x="8379410" y="4226033"/>
+            <a:ext cx="914400" cy="461665"/>
           </a:xfrm>
           <a:prstGeom prst="rect">
             <a:avLst/>
@@ -9701,11 +9730,11 @@
           <a:lstStyle/>
           <a:p>
             <a:r>
-              <a:rPr lang="en-US" sz="2400">
+              <a:rPr lang="en-US" sz="2400" dirty="0">
                 <a:latin typeface="Swell Braille" pitchFamily="49"/>
                 <a:cs typeface="Arial" panose="020B0604020202020204" pitchFamily="34" charset="0"/>
               </a:rPr>
-              <a:t>⠠⠃</a:t>
+              <a:t>;⠠⠃</a:t>
             </a:r>
           </a:p>
         </p:txBody>
@@ -14240,7 +14269,7 @@
           <p:nvPr/>
         </p:nvPicPr>
         <p:blipFill>
-          <a:blip r:embed="rId3"/>
+          <a:blip r:embed="rId4"/>
           <a:stretch>
             <a:fillRect/>
           </a:stretch>
@@ -14249,35 +14278,6 @@
           <a:xfrm>
             <a:off x="448235" y="2041169"/>
             <a:ext cx="8175811" cy="1508076"/>
-          </a:xfrm>
-          <a:prstGeom prst="rect">
-            <a:avLst/>
-          </a:prstGeom>
-        </p:spPr>
-      </p:pic>
-      <p:pic>
-        <p:nvPicPr>
-          <p:cNvPr id="86" name="Picture 85" descr="A close up of a logo&#10;&#10;Description automatically generated">
-            <a:extLst>
-              <a:ext uri="{FF2B5EF4-FFF2-40B4-BE49-F238E27FC236}">
-                <a16:creationId xmlns:a16="http://schemas.microsoft.com/office/drawing/2014/main" id="{2511201E-153B-1E49-AEAD-233C0AE1D9AB}"/>
-              </a:ext>
-            </a:extLst>
-          </p:cNvPr>
-          <p:cNvPicPr>
-            <a:picLocks noChangeAspect="1"/>
-          </p:cNvPicPr>
-          <p:nvPr/>
-        </p:nvPicPr>
-        <p:blipFill rotWithShape="1">
-          <a:blip r:embed="rId4"/>
-          <a:srcRect l="45135" t="65926" r="12938" b="18148"/>
-          <a:stretch/>
-        </p:blipFill>
-        <p:spPr>
-          <a:xfrm>
-            <a:off x="-685801" y="3630004"/>
-            <a:ext cx="10124855" cy="2971800"/>
           </a:xfrm>
           <a:prstGeom prst="rect">
             <a:avLst/>
@@ -14616,8 +14616,8 @@
         </p:nvSpPr>
         <p:spPr>
           <a:xfrm>
-            <a:off x="701186" y="468951"/>
-            <a:ext cx="914400" cy="605790"/>
+            <a:off x="686566" y="953294"/>
+            <a:ext cx="914400" cy="457200"/>
           </a:xfrm>
           <a:prstGeom prst="rect">
             <a:avLst/>
@@ -14675,8 +14675,8 @@
         </p:nvSpPr>
         <p:spPr>
           <a:xfrm>
-            <a:off x="701186" y="1239206"/>
-            <a:ext cx="914400" cy="605790"/>
+            <a:off x="686566" y="1679374"/>
+            <a:ext cx="914400" cy="457200"/>
           </a:xfrm>
           <a:prstGeom prst="rect">
             <a:avLst/>
@@ -14734,8 +14734,8 @@
         </p:nvSpPr>
         <p:spPr>
           <a:xfrm>
-            <a:off x="701186" y="2009461"/>
-            <a:ext cx="914400" cy="605790"/>
+            <a:off x="686566" y="2398331"/>
+            <a:ext cx="914400" cy="457200"/>
           </a:xfrm>
           <a:prstGeom prst="rect">
             <a:avLst/>
@@ -14793,8 +14793,8 @@
         </p:nvSpPr>
         <p:spPr>
           <a:xfrm>
-            <a:off x="701186" y="2779716"/>
-            <a:ext cx="914400" cy="605790"/>
+            <a:off x="701186" y="3124411"/>
+            <a:ext cx="914400" cy="457200"/>
           </a:xfrm>
           <a:prstGeom prst="rect">
             <a:avLst/>
@@ -14847,8 +14847,8 @@
         </p:nvSpPr>
         <p:spPr>
           <a:xfrm>
-            <a:off x="701186" y="3549971"/>
-            <a:ext cx="914400" cy="605790"/>
+            <a:off x="686566" y="3841959"/>
+            <a:ext cx="914400" cy="457200"/>
           </a:xfrm>
           <a:prstGeom prst="rect">
             <a:avLst/>
@@ -14901,8 +14901,8 @@
         </p:nvSpPr>
         <p:spPr>
           <a:xfrm>
-            <a:off x="701186" y="4320226"/>
-            <a:ext cx="914400" cy="605790"/>
+            <a:off x="701186" y="4554471"/>
+            <a:ext cx="914400" cy="457200"/>
           </a:xfrm>
           <a:prstGeom prst="rect">
             <a:avLst/>
@@ -14960,8 +14960,8 @@
         </p:nvSpPr>
         <p:spPr>
           <a:xfrm>
-            <a:off x="1754845" y="308996"/>
-            <a:ext cx="2635658" cy="830997"/>
+            <a:off x="1713929" y="969817"/>
+            <a:ext cx="5879137" cy="461665"/>
           </a:xfrm>
           <a:prstGeom prst="rect">
             <a:avLst/>
@@ -14969,26 +14969,17 @@
           <a:noFill/>
         </p:spPr>
         <p:txBody>
-          <a:bodyPr wrap="none" rtlCol="0">
+          <a:bodyPr wrap="square" rtlCol="0">
             <a:spAutoFit/>
           </a:bodyPr>
           <a:lstStyle/>
           <a:p>
             <a:r>
-              <a:rPr lang="en-US" sz="2400">
+              <a:rPr lang="en-US" sz="2400" dirty="0">
                 <a:latin typeface="Swell Braille" pitchFamily="49"/>
                 <a:cs typeface="Arial" panose="020B0604020202020204" pitchFamily="34" charset="0"/>
               </a:rPr>
-              <a:t>⠠⠞⠻⠞⠊⠜⠽⠀⠸⠌⠀</a:t>
-            </a:r>
-          </a:p>
-          <a:p>
-            <a:r>
-              <a:rPr lang="en-US" sz="2400">
-                <a:latin typeface="Swell Braille" pitchFamily="49"/>
-                <a:cs typeface="Arial" panose="020B0604020202020204" pitchFamily="34" charset="0"/>
-              </a:rPr>
-              <a:t>⠠⠉⠗⠑⠞⠁⠉⠑⠳⠎</a:t>
+              <a:t>⠠⠞⠻⠞⠊⠜⠽⠀⠸⠌⠀⠠⠉⠗⠑⠞⠁⠉⠑⠳⠎</a:t>
             </a:r>
           </a:p>
         </p:txBody>
@@ -15007,7 +14998,7 @@
         </p:nvSpPr>
         <p:spPr>
           <a:xfrm>
-            <a:off x="1715088" y="1280509"/>
+            <a:off x="1715088" y="1671377"/>
             <a:ext cx="3081293" cy="461665"/>
           </a:xfrm>
           <a:prstGeom prst="rect">
@@ -15022,7 +15013,7 @@
           <a:lstStyle/>
           <a:p>
             <a:r>
-              <a:rPr lang="en-US" sz="2400">
+              <a:rPr lang="en-US" sz="2400" dirty="0">
                 <a:latin typeface="Swell Braille" pitchFamily="49"/>
                 <a:cs typeface="Arial" panose="020B0604020202020204" pitchFamily="34" charset="0"/>
               </a:rPr>
@@ -15045,7 +15036,7 @@
         </p:nvSpPr>
         <p:spPr>
           <a:xfrm>
-            <a:off x="1715088" y="2045444"/>
+            <a:off x="1715088" y="2368577"/>
             <a:ext cx="3438930" cy="461665"/>
           </a:xfrm>
           <a:prstGeom prst="rect">
@@ -15060,7 +15051,7 @@
           <a:lstStyle/>
           <a:p>
             <a:r>
-              <a:rPr lang="en-US" sz="2400">
+              <a:rPr lang="en-US" sz="2400" dirty="0">
                 <a:latin typeface="Swell Braille" pitchFamily="49"/>
                 <a:cs typeface="Arial" panose="020B0604020202020204" pitchFamily="34" charset="0"/>
               </a:rPr>
@@ -15083,7 +15074,7 @@
         </p:nvSpPr>
         <p:spPr>
           <a:xfrm>
-            <a:off x="1715088" y="2810379"/>
+            <a:off x="1715088" y="3120801"/>
             <a:ext cx="2276585" cy="461665"/>
           </a:xfrm>
           <a:prstGeom prst="rect">
@@ -15098,7 +15089,7 @@
           <a:lstStyle/>
           <a:p>
             <a:r>
-              <a:rPr lang="en-US" sz="2400">
+              <a:rPr lang="en-US" sz="2400" dirty="0">
                 <a:latin typeface="Swell Braille" pitchFamily="49"/>
                 <a:cs typeface="Arial" panose="020B0604020202020204" pitchFamily="34" charset="0"/>
               </a:rPr>
@@ -15121,7 +15112,7 @@
         </p:nvSpPr>
         <p:spPr>
           <a:xfrm>
-            <a:off x="1715088" y="3575314"/>
+            <a:off x="1715088" y="3843592"/>
             <a:ext cx="2276585" cy="461665"/>
           </a:xfrm>
           <a:prstGeom prst="rect">
@@ -15136,7 +15127,7 @@
           <a:lstStyle/>
           <a:p>
             <a:r>
-              <a:rPr lang="en-US" sz="2400">
+              <a:rPr lang="en-US" sz="2400" dirty="0">
                 <a:latin typeface="Swell Braille" pitchFamily="49"/>
                 <a:cs typeface="Arial" panose="020B0604020202020204" pitchFamily="34" charset="0"/>
               </a:rPr>
@@ -15159,7 +15150,7 @@
         </p:nvSpPr>
         <p:spPr>
           <a:xfrm>
-            <a:off x="1715088" y="4340248"/>
+            <a:off x="1715088" y="4550006"/>
             <a:ext cx="2635658" cy="461665"/>
           </a:xfrm>
           <a:prstGeom prst="rect">
@@ -15174,7 +15165,7 @@
           <a:lstStyle/>
           <a:p>
             <a:r>
-              <a:rPr lang="en-US" sz="2400">
+              <a:rPr lang="en-US" sz="2400" dirty="0">
                 <a:latin typeface="Swell Braille" pitchFamily="49"/>
                 <a:cs typeface="Arial" panose="020B0604020202020204" pitchFamily="34" charset="0"/>
               </a:rPr>
@@ -15197,7 +15188,7 @@
         </p:nvSpPr>
         <p:spPr>
           <a:xfrm>
-            <a:off x="1763550" y="5141634"/>
+            <a:off x="1715088" y="5222701"/>
             <a:ext cx="2276585" cy="461665"/>
           </a:xfrm>
           <a:prstGeom prst="rect">
@@ -15211,7 +15202,7 @@
           <a:lstStyle/>
           <a:p>
             <a:r>
-              <a:rPr lang="en-US" sz="2400">
+              <a:rPr lang="en-US" sz="2400" dirty="0">
                 <a:latin typeface="Swell Braille" pitchFamily="49"/>
               </a:rPr>
               <a:t>⠠⠉⠁⠍⠃⠗⠊⠁⠝</a:t>
@@ -15247,7 +15238,7 @@
           <a:lstStyle/>
           <a:p>
             <a:r>
-              <a:rPr lang="en-US" sz="2400">
+              <a:rPr lang="en-US" sz="2400" dirty="0">
                 <a:latin typeface="Swell Braille" pitchFamily="49"/>
               </a:rPr>
               <a:t>⠠⠏⠗⠑⠉⠁⠍⠃⠗⠊⠁⠝</a:t>
@@ -15269,7 +15260,7 @@
         </p:nvSpPr>
         <p:spPr>
           <a:xfrm>
-            <a:off x="5789095" y="292412"/>
+            <a:off x="478864" y="256568"/>
             <a:ext cx="1579278" cy="461665"/>
           </a:xfrm>
           <a:prstGeom prst="rect">
@@ -15283,7 +15274,7 @@
           <a:lstStyle/>
           <a:p>
             <a:r>
-              <a:rPr lang="en-US" sz="2400">
+              <a:rPr lang="en-US" sz="2400" dirty="0">
                 <a:latin typeface="Swell Braille" pitchFamily="49"/>
               </a:rPr>
               <a:t>⠠⠇⠑⠛⠢⠙</a:t>
@@ -15305,8 +15296,8 @@
         </p:nvSpPr>
         <p:spPr>
           <a:xfrm>
-            <a:off x="686566" y="5871641"/>
-            <a:ext cx="914400" cy="605790"/>
+            <a:off x="686566" y="5904706"/>
+            <a:ext cx="914400" cy="457200"/>
           </a:xfrm>
           <a:prstGeom prst="rect">
             <a:avLst/>
@@ -15364,8 +15355,8 @@
         </p:nvSpPr>
         <p:spPr>
           <a:xfrm>
-            <a:off x="696506" y="5101331"/>
-            <a:ext cx="914400" cy="605790"/>
+            <a:off x="686566" y="5227166"/>
+            <a:ext cx="914400" cy="457200"/>
           </a:xfrm>
           <a:prstGeom prst="rect">
             <a:avLst/>
